--- a/Deliverable 2.pptx
+++ b/Deliverable 2.pptx
@@ -14779,7 +14779,7 @@
           <a:p>
             <a:r>
               <a:rPr lang="en-US" dirty="0"/>
-              <a:t>Interview Date: 3/9/18</a:t>
+              <a:t>Interview Date: 3/9/18 - Rafay</a:t>
             </a:r>
           </a:p>
           <a:p>
@@ -14798,6 +14798,15 @@
             <a:r>
               <a:rPr lang="en-US" dirty="0"/>
               <a:t>3) How should stock-outs be handled?</a:t>
+            </a:r>
+          </a:p>
+          <a:p>
+            <a:endParaRPr lang="en-US" dirty="0"/>
+          </a:p>
+          <a:p>
+            <a:r>
+              <a:rPr lang="en-US" dirty="0"/>
+              <a:t>Summary: The system should be able to track and update store information in real time. There should be a clear and distinct method to input and retrieve data. </a:t>
             </a:r>
           </a:p>
           <a:p>
@@ -14886,7 +14895,7 @@
           <a:p>
             <a:r>
               <a:rPr lang="en-US" dirty="0"/>
-              <a:t>Interview Date: 3/7/18</a:t>
+              <a:t>Interview Date: 3/7/18 - Rafay</a:t>
             </a:r>
           </a:p>
           <a:p>
@@ -14905,6 +14914,18 @@
             <a:r>
               <a:rPr lang="en-US" dirty="0"/>
               <a:t>3)  How long should it be accessible?</a:t>
+            </a:r>
+          </a:p>
+          <a:p>
+            <a:pPr marL="0" indent="0">
+              <a:buNone/>
+            </a:pPr>
+            <a:endParaRPr lang="en-US" dirty="0"/>
+          </a:p>
+          <a:p>
+            <a:r>
+              <a:rPr lang="en-US" dirty="0"/>
+              <a:t>Summary: All users should have a simple method of access, 24/7. A user friendly interface will assure that all employees are capable of utilizing the system to its full capabilities.</a:t>
             </a:r>
           </a:p>
           <a:p>
@@ -14993,8 +15014,13 @@
           <a:p>
             <a:r>
               <a:rPr lang="en-US" dirty="0"/>
-              <a:t>Interview Date: 3/5/18</a:t>
-            </a:r>
+              <a:t>Interview Date: 3/5/18 </a:t>
+            </a:r>
+            <a:r>
+              <a:rPr lang="en-US"/>
+              <a:t>- Rafay</a:t>
+            </a:r>
+            <a:endParaRPr lang="en-US" dirty="0"/>
           </a:p>
           <a:p>
             <a:r>
@@ -15016,6 +15042,12 @@
           </a:p>
           <a:p>
             <a:endParaRPr lang="en-US" dirty="0"/>
+          </a:p>
+          <a:p>
+            <a:r>
+              <a:rPr lang="en-US" dirty="0"/>
+              <a:t>Summary: Inclusion of subcategories will make it more efficient for users to locate specific inventory. A clear formatting will allow for users to navigate through the system with ease.</a:t>
+            </a:r>
           </a:p>
         </p:txBody>
       </p:sp>

--- a/Deliverable 2.pptx
+++ b/Deliverable 2.pptx
@@ -8431,13 +8431,24 @@
         </p:nvSpPr>
         <p:spPr>
           <a:xfrm>
-            <a:off x="1168400" y="1987408"/>
-            <a:ext cx="9916160" cy="2672080"/>
+            <a:off x="1239520" y="2099388"/>
+            <a:ext cx="9916160" cy="3909526"/>
           </a:xfrm>
         </p:spPr>
         <p:txBody>
-          <a:bodyPr/>
+          <a:bodyPr>
+            <a:normAutofit/>
+          </a:bodyPr>
           <a:lstStyle/>
+          <a:p>
+            <a:pPr marL="0" indent="0">
+              <a:buNone/>
+            </a:pPr>
+            <a:r>
+              <a:rPr lang="en-US" dirty="0"/>
+              <a:t>Distributed 3/8/18 || Response Rate: 15 minutes </a:t>
+            </a:r>
+          </a:p>
           <a:p>
             <a:pPr marL="0" indent="0">
               <a:buNone/>
@@ -15014,13 +15025,8 @@
           <a:p>
             <a:r>
               <a:rPr lang="en-US" dirty="0"/>
-              <a:t>Interview Date: 3/5/18 </a:t>
-            </a:r>
-            <a:r>
-              <a:rPr lang="en-US"/>
-              <a:t>- Rafay</a:t>
-            </a:r>
-            <a:endParaRPr lang="en-US" dirty="0"/>
+              <a:t>Interview Date: 3/5/18 - Rafay</a:t>
+            </a:r>
           </a:p>
           <a:p>
             <a:r>
